--- a/Architecture/Architecture.pptx
+++ b/Architecture/Architecture.pptx
@@ -245,7 +245,7 @@
           <a:p>
             <a:fld id="{568B044D-6778-4F98-907D-34CE59BFE85E}" type="datetimeFigureOut">
               <a:rPr lang="en-US" smtClean="0"/>
-              <a:t>8/8/2023</a:t>
+              <a:t>8/30/2023</a:t>
             </a:fld>
             <a:endParaRPr lang="en-US"/>
           </a:p>
@@ -415,7 +415,7 @@
           <a:p>
             <a:fld id="{568B044D-6778-4F98-907D-34CE59BFE85E}" type="datetimeFigureOut">
               <a:rPr lang="en-US" smtClean="0"/>
-              <a:t>8/8/2023</a:t>
+              <a:t>8/30/2023</a:t>
             </a:fld>
             <a:endParaRPr lang="en-US"/>
           </a:p>
@@ -595,7 +595,7 @@
           <a:p>
             <a:fld id="{568B044D-6778-4F98-907D-34CE59BFE85E}" type="datetimeFigureOut">
               <a:rPr lang="en-US" smtClean="0"/>
-              <a:t>8/8/2023</a:t>
+              <a:t>8/30/2023</a:t>
             </a:fld>
             <a:endParaRPr lang="en-US"/>
           </a:p>
@@ -765,7 +765,7 @@
           <a:p>
             <a:fld id="{568B044D-6778-4F98-907D-34CE59BFE85E}" type="datetimeFigureOut">
               <a:rPr lang="en-US" smtClean="0"/>
-              <a:t>8/8/2023</a:t>
+              <a:t>8/30/2023</a:t>
             </a:fld>
             <a:endParaRPr lang="en-US"/>
           </a:p>
@@ -1009,7 +1009,7 @@
           <a:p>
             <a:fld id="{568B044D-6778-4F98-907D-34CE59BFE85E}" type="datetimeFigureOut">
               <a:rPr lang="en-US" smtClean="0"/>
-              <a:t>8/8/2023</a:t>
+              <a:t>8/30/2023</a:t>
             </a:fld>
             <a:endParaRPr lang="en-US"/>
           </a:p>
@@ -1241,7 +1241,7 @@
           <a:p>
             <a:fld id="{568B044D-6778-4F98-907D-34CE59BFE85E}" type="datetimeFigureOut">
               <a:rPr lang="en-US" smtClean="0"/>
-              <a:t>8/8/2023</a:t>
+              <a:t>8/30/2023</a:t>
             </a:fld>
             <a:endParaRPr lang="en-US"/>
           </a:p>
@@ -1608,7 +1608,7 @@
           <a:p>
             <a:fld id="{568B044D-6778-4F98-907D-34CE59BFE85E}" type="datetimeFigureOut">
               <a:rPr lang="en-US" smtClean="0"/>
-              <a:t>8/8/2023</a:t>
+              <a:t>8/30/2023</a:t>
             </a:fld>
             <a:endParaRPr lang="en-US"/>
           </a:p>
@@ -1726,7 +1726,7 @@
           <a:p>
             <a:fld id="{568B044D-6778-4F98-907D-34CE59BFE85E}" type="datetimeFigureOut">
               <a:rPr lang="en-US" smtClean="0"/>
-              <a:t>8/8/2023</a:t>
+              <a:t>8/30/2023</a:t>
             </a:fld>
             <a:endParaRPr lang="en-US"/>
           </a:p>
@@ -1821,7 +1821,7 @@
           <a:p>
             <a:fld id="{568B044D-6778-4F98-907D-34CE59BFE85E}" type="datetimeFigureOut">
               <a:rPr lang="en-US" smtClean="0"/>
-              <a:t>8/8/2023</a:t>
+              <a:t>8/30/2023</a:t>
             </a:fld>
             <a:endParaRPr lang="en-US"/>
           </a:p>
@@ -2098,7 +2098,7 @@
           <a:p>
             <a:fld id="{568B044D-6778-4F98-907D-34CE59BFE85E}" type="datetimeFigureOut">
               <a:rPr lang="en-US" smtClean="0"/>
-              <a:t>8/8/2023</a:t>
+              <a:t>8/30/2023</a:t>
             </a:fld>
             <a:endParaRPr lang="en-US"/>
           </a:p>
@@ -2355,7 +2355,7 @@
           <a:p>
             <a:fld id="{568B044D-6778-4F98-907D-34CE59BFE85E}" type="datetimeFigureOut">
               <a:rPr lang="en-US" smtClean="0"/>
-              <a:t>8/8/2023</a:t>
+              <a:t>8/30/2023</a:t>
             </a:fld>
             <a:endParaRPr lang="en-US"/>
           </a:p>
@@ -2568,7 +2568,7 @@
           <a:p>
             <a:fld id="{568B044D-6778-4F98-907D-34CE59BFE85E}" type="datetimeFigureOut">
               <a:rPr lang="en-US" smtClean="0"/>
-              <a:t>8/8/2023</a:t>
+              <a:t>8/30/2023</a:t>
             </a:fld>
             <a:endParaRPr lang="en-US"/>
           </a:p>
@@ -5769,6 +5769,773 @@
           <a:chExt cx="0" cy="0"/>
         </a:xfrm>
       </p:grpSpPr>
+      <p:sp>
+        <p:nvSpPr>
+          <p:cNvPr id="27" name="Rectangle: Rounded Corners 26">
+            <a:extLst>
+              <a:ext uri="{FF2B5EF4-FFF2-40B4-BE49-F238E27FC236}">
+                <a16:creationId xmlns:a16="http://schemas.microsoft.com/office/drawing/2014/main" id="{BB06F90D-09B1-CC79-9DDA-F105ACB564FA}"/>
+              </a:ext>
+            </a:extLst>
+          </p:cNvPr>
+          <p:cNvSpPr/>
+          <p:nvPr/>
+        </p:nvSpPr>
+        <p:spPr>
+          <a:xfrm>
+            <a:off x="4699285" y="1837787"/>
+            <a:ext cx="1636155" cy="1458400"/>
+          </a:xfrm>
+          <a:prstGeom prst="roundRect">
+            <a:avLst/>
+          </a:prstGeom>
+          <a:solidFill>
+            <a:schemeClr val="bg1"/>
+          </a:solidFill>
+          <a:ln w="38100"/>
+        </p:spPr>
+        <p:style>
+          <a:lnRef idx="2">
+            <a:schemeClr val="accent1">
+              <a:shade val="50000"/>
+            </a:schemeClr>
+          </a:lnRef>
+          <a:fillRef idx="1">
+            <a:schemeClr val="accent1"/>
+          </a:fillRef>
+          <a:effectRef idx="0">
+            <a:schemeClr val="accent1"/>
+          </a:effectRef>
+          <a:fontRef idx="minor">
+            <a:schemeClr val="lt1"/>
+          </a:fontRef>
+        </p:style>
+        <p:txBody>
+          <a:bodyPr rtlCol="0" anchor="ctr"/>
+          <a:lstStyle/>
+          <a:p>
+            <a:pPr algn="ctr"/>
+            <a:endParaRPr lang="en-US" dirty="0"/>
+          </a:p>
+        </p:txBody>
+      </p:sp>
+      <p:sp>
+        <p:nvSpPr>
+          <p:cNvPr id="2" name="Rectangle: Rounded Corners 1">
+            <a:extLst>
+              <a:ext uri="{FF2B5EF4-FFF2-40B4-BE49-F238E27FC236}">
+                <a16:creationId xmlns:a16="http://schemas.microsoft.com/office/drawing/2014/main" id="{2B47C28A-F8EA-2780-A8FE-650012A64779}"/>
+              </a:ext>
+            </a:extLst>
+          </p:cNvPr>
+          <p:cNvSpPr/>
+          <p:nvPr/>
+        </p:nvSpPr>
+        <p:spPr>
+          <a:xfrm>
+            <a:off x="552450" y="2257425"/>
+            <a:ext cx="1552575" cy="695325"/>
+          </a:xfrm>
+          <a:prstGeom prst="roundRect">
+            <a:avLst/>
+          </a:prstGeom>
+          <a:solidFill>
+            <a:schemeClr val="bg1"/>
+          </a:solidFill>
+          <a:ln w="38100"/>
+        </p:spPr>
+        <p:style>
+          <a:lnRef idx="2">
+            <a:schemeClr val="accent1">
+              <a:shade val="50000"/>
+            </a:schemeClr>
+          </a:lnRef>
+          <a:fillRef idx="1">
+            <a:schemeClr val="accent1"/>
+          </a:fillRef>
+          <a:effectRef idx="0">
+            <a:schemeClr val="accent1"/>
+          </a:effectRef>
+          <a:fontRef idx="minor">
+            <a:schemeClr val="lt1"/>
+          </a:fontRef>
+        </p:style>
+        <p:txBody>
+          <a:bodyPr rtlCol="0" anchor="ctr"/>
+          <a:lstStyle/>
+          <a:p>
+            <a:pPr algn="ctr"/>
+            <a:endParaRPr lang="en-US" dirty="0">
+              <a:solidFill>
+                <a:schemeClr val="tx1"/>
+              </a:solidFill>
+            </a:endParaRPr>
+          </a:p>
+          <a:p>
+            <a:pPr algn="ctr"/>
+            <a:r>
+              <a:rPr lang="en-US" dirty="0">
+                <a:solidFill>
+                  <a:schemeClr val="tx1"/>
+                </a:solidFill>
+              </a:rPr>
+              <a:t>Kafka producer</a:t>
+            </a:r>
+            <a:r>
+              <a:rPr lang="en-US" dirty="0"/>
+              <a:t> producer</a:t>
+            </a:r>
+          </a:p>
+        </p:txBody>
+      </p:sp>
+      <p:sp>
+        <p:nvSpPr>
+          <p:cNvPr id="3" name="Rectangle: Rounded Corners 2">
+            <a:extLst>
+              <a:ext uri="{FF2B5EF4-FFF2-40B4-BE49-F238E27FC236}">
+                <a16:creationId xmlns:a16="http://schemas.microsoft.com/office/drawing/2014/main" id="{B637C2F9-D92D-43DE-9932-ACECAC588BB6}"/>
+              </a:ext>
+            </a:extLst>
+          </p:cNvPr>
+          <p:cNvSpPr/>
+          <p:nvPr/>
+        </p:nvSpPr>
+        <p:spPr>
+          <a:xfrm>
+            <a:off x="2352675" y="1295399"/>
+            <a:ext cx="2152650" cy="2114551"/>
+          </a:xfrm>
+          <a:prstGeom prst="roundRect">
+            <a:avLst/>
+          </a:prstGeom>
+          <a:solidFill>
+            <a:schemeClr val="bg1"/>
+          </a:solidFill>
+          <a:ln w="38100"/>
+        </p:spPr>
+        <p:style>
+          <a:lnRef idx="2">
+            <a:schemeClr val="accent1">
+              <a:shade val="50000"/>
+            </a:schemeClr>
+          </a:lnRef>
+          <a:fillRef idx="1">
+            <a:schemeClr val="accent1"/>
+          </a:fillRef>
+          <a:effectRef idx="0">
+            <a:schemeClr val="accent1"/>
+          </a:effectRef>
+          <a:fontRef idx="minor">
+            <a:schemeClr val="lt1"/>
+          </a:fontRef>
+        </p:style>
+        <p:txBody>
+          <a:bodyPr rtlCol="0" anchor="ctr"/>
+          <a:lstStyle/>
+          <a:p>
+            <a:pPr algn="ctr"/>
+            <a:endParaRPr lang="en-US" dirty="0"/>
+          </a:p>
+        </p:txBody>
+      </p:sp>
+      <p:sp>
+        <p:nvSpPr>
+          <p:cNvPr id="4" name="TextBox 3">
+            <a:extLst>
+              <a:ext uri="{FF2B5EF4-FFF2-40B4-BE49-F238E27FC236}">
+                <a16:creationId xmlns:a16="http://schemas.microsoft.com/office/drawing/2014/main" id="{B15CBBAC-AF47-DBC8-1C79-4702A7E2AF95}"/>
+              </a:ext>
+            </a:extLst>
+          </p:cNvPr>
+          <p:cNvSpPr txBox="1"/>
+          <p:nvPr/>
+        </p:nvSpPr>
+        <p:spPr>
+          <a:xfrm>
+            <a:off x="2718078" y="1376494"/>
+            <a:ext cx="1404938" cy="369332"/>
+          </a:xfrm>
+          <a:prstGeom prst="rect">
+            <a:avLst/>
+          </a:prstGeom>
+          <a:noFill/>
+        </p:spPr>
+        <p:txBody>
+          <a:bodyPr wrap="square" rtlCol="0">
+            <a:spAutoFit/>
+          </a:bodyPr>
+          <a:lstStyle/>
+          <a:p>
+            <a:r>
+              <a:rPr lang="en-US" dirty="0"/>
+              <a:t>Kafka broker</a:t>
+            </a:r>
+          </a:p>
+        </p:txBody>
+      </p:sp>
+      <p:sp>
+        <p:nvSpPr>
+          <p:cNvPr id="6" name="Rectangle: Rounded Corners 5">
+            <a:extLst>
+              <a:ext uri="{FF2B5EF4-FFF2-40B4-BE49-F238E27FC236}">
+                <a16:creationId xmlns:a16="http://schemas.microsoft.com/office/drawing/2014/main" id="{DEA205E1-2E53-127D-5434-D09C5D30EA27}"/>
+              </a:ext>
+            </a:extLst>
+          </p:cNvPr>
+          <p:cNvSpPr/>
+          <p:nvPr/>
+        </p:nvSpPr>
+        <p:spPr>
+          <a:xfrm>
+            <a:off x="2602470" y="1818201"/>
+            <a:ext cx="1636155" cy="1458400"/>
+          </a:xfrm>
+          <a:prstGeom prst="roundRect">
+            <a:avLst/>
+          </a:prstGeom>
+          <a:solidFill>
+            <a:schemeClr val="bg1"/>
+          </a:solidFill>
+          <a:ln w="38100"/>
+        </p:spPr>
+        <p:style>
+          <a:lnRef idx="2">
+            <a:schemeClr val="accent1">
+              <a:shade val="50000"/>
+            </a:schemeClr>
+          </a:lnRef>
+          <a:fillRef idx="1">
+            <a:schemeClr val="accent1"/>
+          </a:fillRef>
+          <a:effectRef idx="0">
+            <a:schemeClr val="accent1"/>
+          </a:effectRef>
+          <a:fontRef idx="minor">
+            <a:schemeClr val="lt1"/>
+          </a:fontRef>
+        </p:style>
+        <p:txBody>
+          <a:bodyPr rtlCol="0" anchor="ctr"/>
+          <a:lstStyle/>
+          <a:p>
+            <a:pPr algn="ctr"/>
+            <a:endParaRPr lang="en-US" dirty="0"/>
+          </a:p>
+        </p:txBody>
+      </p:sp>
+      <p:sp>
+        <p:nvSpPr>
+          <p:cNvPr id="7" name="Rectangle: Rounded Corners 6">
+            <a:extLst>
+              <a:ext uri="{FF2B5EF4-FFF2-40B4-BE49-F238E27FC236}">
+                <a16:creationId xmlns:a16="http://schemas.microsoft.com/office/drawing/2014/main" id="{5FD0054A-01A5-057D-289F-888D486624AC}"/>
+              </a:ext>
+            </a:extLst>
+          </p:cNvPr>
+          <p:cNvSpPr/>
+          <p:nvPr/>
+        </p:nvSpPr>
+        <p:spPr>
+          <a:xfrm>
+            <a:off x="2881009" y="2221665"/>
+            <a:ext cx="1115031" cy="417742"/>
+          </a:xfrm>
+          <a:prstGeom prst="roundRect">
+            <a:avLst/>
+          </a:prstGeom>
+          <a:solidFill>
+            <a:schemeClr val="bg1"/>
+          </a:solidFill>
+          <a:ln w="38100"/>
+        </p:spPr>
+        <p:style>
+          <a:lnRef idx="2">
+            <a:schemeClr val="accent1">
+              <a:shade val="50000"/>
+            </a:schemeClr>
+          </a:lnRef>
+          <a:fillRef idx="1">
+            <a:schemeClr val="accent1"/>
+          </a:fillRef>
+          <a:effectRef idx="0">
+            <a:schemeClr val="accent1"/>
+          </a:effectRef>
+          <a:fontRef idx="minor">
+            <a:schemeClr val="lt1"/>
+          </a:fontRef>
+        </p:style>
+        <p:txBody>
+          <a:bodyPr rtlCol="0" anchor="ctr"/>
+          <a:lstStyle/>
+          <a:p>
+            <a:pPr algn="ctr"/>
+            <a:r>
+              <a:rPr lang="en-US" dirty="0">
+                <a:solidFill>
+                  <a:schemeClr val="tx1"/>
+                </a:solidFill>
+              </a:rPr>
+              <a:t>Partition</a:t>
+            </a:r>
+          </a:p>
+        </p:txBody>
+      </p:sp>
+      <p:sp>
+        <p:nvSpPr>
+          <p:cNvPr id="9" name="Rectangle: Rounded Corners 8">
+            <a:extLst>
+              <a:ext uri="{FF2B5EF4-FFF2-40B4-BE49-F238E27FC236}">
+                <a16:creationId xmlns:a16="http://schemas.microsoft.com/office/drawing/2014/main" id="{7365CF71-C8CB-BFFC-FAC3-C7A2E8B4BAF9}"/>
+              </a:ext>
+            </a:extLst>
+          </p:cNvPr>
+          <p:cNvSpPr/>
+          <p:nvPr/>
+        </p:nvSpPr>
+        <p:spPr>
+          <a:xfrm>
+            <a:off x="2881008" y="2738675"/>
+            <a:ext cx="1115031" cy="417742"/>
+          </a:xfrm>
+          <a:prstGeom prst="roundRect">
+            <a:avLst/>
+          </a:prstGeom>
+          <a:solidFill>
+            <a:schemeClr val="bg1"/>
+          </a:solidFill>
+          <a:ln w="38100"/>
+        </p:spPr>
+        <p:style>
+          <a:lnRef idx="2">
+            <a:schemeClr val="accent1">
+              <a:shade val="50000"/>
+            </a:schemeClr>
+          </a:lnRef>
+          <a:fillRef idx="1">
+            <a:schemeClr val="accent1"/>
+          </a:fillRef>
+          <a:effectRef idx="0">
+            <a:schemeClr val="accent1"/>
+          </a:effectRef>
+          <a:fontRef idx="minor">
+            <a:schemeClr val="lt1"/>
+          </a:fontRef>
+        </p:style>
+        <p:txBody>
+          <a:bodyPr rtlCol="0" anchor="ctr"/>
+          <a:lstStyle/>
+          <a:p>
+            <a:pPr algn="ctr"/>
+            <a:r>
+              <a:rPr lang="en-US" dirty="0">
+                <a:solidFill>
+                  <a:schemeClr val="tx1"/>
+                </a:solidFill>
+              </a:rPr>
+              <a:t>Partition</a:t>
+            </a:r>
+          </a:p>
+        </p:txBody>
+      </p:sp>
+      <p:sp>
+        <p:nvSpPr>
+          <p:cNvPr id="10" name="TextBox 9">
+            <a:extLst>
+              <a:ext uri="{FF2B5EF4-FFF2-40B4-BE49-F238E27FC236}">
+                <a16:creationId xmlns:a16="http://schemas.microsoft.com/office/drawing/2014/main" id="{2A0C25AA-A0EF-2105-51D3-AE70EDEA4AA5}"/>
+              </a:ext>
+            </a:extLst>
+          </p:cNvPr>
+          <p:cNvSpPr txBox="1"/>
+          <p:nvPr/>
+        </p:nvSpPr>
+        <p:spPr>
+          <a:xfrm>
+            <a:off x="3107529" y="1818201"/>
+            <a:ext cx="1404938" cy="369332"/>
+          </a:xfrm>
+          <a:prstGeom prst="rect">
+            <a:avLst/>
+          </a:prstGeom>
+          <a:noFill/>
+        </p:spPr>
+        <p:txBody>
+          <a:bodyPr wrap="square" rtlCol="0">
+            <a:spAutoFit/>
+          </a:bodyPr>
+          <a:lstStyle/>
+          <a:p>
+            <a:r>
+              <a:rPr lang="en-US" dirty="0"/>
+              <a:t>Topic</a:t>
+            </a:r>
+          </a:p>
+        </p:txBody>
+      </p:sp>
+      <p:cxnSp>
+        <p:nvCxnSpPr>
+          <p:cNvPr id="14" name="Straight Arrow Connector 13">
+            <a:extLst>
+              <a:ext uri="{FF2B5EF4-FFF2-40B4-BE49-F238E27FC236}">
+                <a16:creationId xmlns:a16="http://schemas.microsoft.com/office/drawing/2014/main" id="{FE86D19F-829A-EAC0-ABAD-45CD8B46201D}"/>
+              </a:ext>
+            </a:extLst>
+          </p:cNvPr>
+          <p:cNvCxnSpPr>
+            <a:stCxn id="2" idx="3"/>
+            <a:endCxn id="7" idx="1"/>
+          </p:cNvCxnSpPr>
+          <p:nvPr/>
+        </p:nvCxnSpPr>
+        <p:spPr>
+          <a:xfrm flipV="1">
+            <a:off x="2105025" y="2430536"/>
+            <a:ext cx="775984" cy="174552"/>
+          </a:xfrm>
+          <a:prstGeom prst="straightConnector1">
+            <a:avLst/>
+          </a:prstGeom>
+          <a:ln w="38100">
+            <a:solidFill>
+              <a:srgbClr val="C00000"/>
+            </a:solidFill>
+            <a:tailEnd type="triangle"/>
+          </a:ln>
+        </p:spPr>
+        <p:style>
+          <a:lnRef idx="1">
+            <a:schemeClr val="accent1"/>
+          </a:lnRef>
+          <a:fillRef idx="0">
+            <a:schemeClr val="accent1"/>
+          </a:fillRef>
+          <a:effectRef idx="0">
+            <a:schemeClr val="accent1"/>
+          </a:effectRef>
+          <a:fontRef idx="minor">
+            <a:schemeClr val="tx1"/>
+          </a:fontRef>
+        </p:style>
+      </p:cxnSp>
+      <p:cxnSp>
+        <p:nvCxnSpPr>
+          <p:cNvPr id="15" name="Straight Arrow Connector 14">
+            <a:extLst>
+              <a:ext uri="{FF2B5EF4-FFF2-40B4-BE49-F238E27FC236}">
+                <a16:creationId xmlns:a16="http://schemas.microsoft.com/office/drawing/2014/main" id="{8B7B28D8-037E-0060-BE0B-D338162F145C}"/>
+              </a:ext>
+            </a:extLst>
+          </p:cNvPr>
+          <p:cNvCxnSpPr>
+            <a:cxnSpLocks/>
+            <a:stCxn id="2" idx="3"/>
+            <a:endCxn id="9" idx="1"/>
+          </p:cNvCxnSpPr>
+          <p:nvPr/>
+        </p:nvCxnSpPr>
+        <p:spPr>
+          <a:xfrm>
+            <a:off x="2105025" y="2605088"/>
+            <a:ext cx="775983" cy="342458"/>
+          </a:xfrm>
+          <a:prstGeom prst="straightConnector1">
+            <a:avLst/>
+          </a:prstGeom>
+          <a:ln w="38100">
+            <a:solidFill>
+              <a:srgbClr val="C00000"/>
+            </a:solidFill>
+            <a:tailEnd type="triangle"/>
+          </a:ln>
+        </p:spPr>
+        <p:style>
+          <a:lnRef idx="1">
+            <a:schemeClr val="accent1"/>
+          </a:lnRef>
+          <a:fillRef idx="0">
+            <a:schemeClr val="accent1"/>
+          </a:fillRef>
+          <a:effectRef idx="0">
+            <a:schemeClr val="accent1"/>
+          </a:effectRef>
+          <a:fontRef idx="minor">
+            <a:schemeClr val="tx1"/>
+          </a:fontRef>
+        </p:style>
+      </p:cxnSp>
+      <p:cxnSp>
+        <p:nvCxnSpPr>
+          <p:cNvPr id="18" name="Straight Arrow Connector 17">
+            <a:extLst>
+              <a:ext uri="{FF2B5EF4-FFF2-40B4-BE49-F238E27FC236}">
+                <a16:creationId xmlns:a16="http://schemas.microsoft.com/office/drawing/2014/main" id="{AB2169A4-4676-37BD-1A6C-5FEBFA49ED3A}"/>
+              </a:ext>
+            </a:extLst>
+          </p:cNvPr>
+          <p:cNvCxnSpPr>
+            <a:cxnSpLocks/>
+          </p:cNvCxnSpPr>
+          <p:nvPr/>
+        </p:nvCxnSpPr>
+        <p:spPr>
+          <a:xfrm>
+            <a:off x="3996039" y="2443180"/>
+            <a:ext cx="909338" cy="0"/>
+          </a:xfrm>
+          <a:prstGeom prst="straightConnector1">
+            <a:avLst/>
+          </a:prstGeom>
+          <a:ln w="38100">
+            <a:solidFill>
+              <a:srgbClr val="C00000"/>
+            </a:solidFill>
+            <a:tailEnd type="triangle"/>
+          </a:ln>
+        </p:spPr>
+        <p:style>
+          <a:lnRef idx="1">
+            <a:schemeClr val="accent1"/>
+          </a:lnRef>
+          <a:fillRef idx="0">
+            <a:schemeClr val="accent1"/>
+          </a:fillRef>
+          <a:effectRef idx="0">
+            <a:schemeClr val="accent1"/>
+          </a:effectRef>
+          <a:fontRef idx="minor">
+            <a:schemeClr val="tx1"/>
+          </a:fontRef>
+        </p:style>
+      </p:cxnSp>
+      <p:cxnSp>
+        <p:nvCxnSpPr>
+          <p:cNvPr id="20" name="Straight Arrow Connector 19">
+            <a:extLst>
+              <a:ext uri="{FF2B5EF4-FFF2-40B4-BE49-F238E27FC236}">
+                <a16:creationId xmlns:a16="http://schemas.microsoft.com/office/drawing/2014/main" id="{BC729B66-B35D-5C38-0E09-E4502AEB9110}"/>
+              </a:ext>
+            </a:extLst>
+          </p:cNvPr>
+          <p:cNvCxnSpPr>
+            <a:cxnSpLocks/>
+            <a:stCxn id="9" idx="3"/>
+          </p:cNvCxnSpPr>
+          <p:nvPr/>
+        </p:nvCxnSpPr>
+        <p:spPr>
+          <a:xfrm>
+            <a:off x="3996039" y="2947546"/>
+            <a:ext cx="909338" cy="0"/>
+          </a:xfrm>
+          <a:prstGeom prst="straightConnector1">
+            <a:avLst/>
+          </a:prstGeom>
+          <a:ln w="38100">
+            <a:solidFill>
+              <a:srgbClr val="C00000"/>
+            </a:solidFill>
+            <a:tailEnd type="triangle"/>
+          </a:ln>
+        </p:spPr>
+        <p:style>
+          <a:lnRef idx="1">
+            <a:schemeClr val="accent1"/>
+          </a:lnRef>
+          <a:fillRef idx="0">
+            <a:schemeClr val="accent1"/>
+          </a:fillRef>
+          <a:effectRef idx="0">
+            <a:schemeClr val="accent1"/>
+          </a:effectRef>
+          <a:fontRef idx="minor">
+            <a:schemeClr val="tx1"/>
+          </a:fontRef>
+        </p:style>
+      </p:cxnSp>
+      <p:sp>
+        <p:nvSpPr>
+          <p:cNvPr id="25" name="Rectangle: Rounded Corners 24">
+            <a:extLst>
+              <a:ext uri="{FF2B5EF4-FFF2-40B4-BE49-F238E27FC236}">
+                <a16:creationId xmlns:a16="http://schemas.microsoft.com/office/drawing/2014/main" id="{EFE7F2AE-199D-1C82-88FC-6AAF2B128FEF}"/>
+              </a:ext>
+            </a:extLst>
+          </p:cNvPr>
+          <p:cNvSpPr/>
+          <p:nvPr/>
+        </p:nvSpPr>
+        <p:spPr>
+          <a:xfrm>
+            <a:off x="4905377" y="2228850"/>
+            <a:ext cx="1238248" cy="417742"/>
+          </a:xfrm>
+          <a:prstGeom prst="roundRect">
+            <a:avLst/>
+          </a:prstGeom>
+          <a:solidFill>
+            <a:schemeClr val="bg1"/>
+          </a:solidFill>
+          <a:ln w="38100"/>
+        </p:spPr>
+        <p:style>
+          <a:lnRef idx="2">
+            <a:schemeClr val="accent1">
+              <a:shade val="50000"/>
+            </a:schemeClr>
+          </a:lnRef>
+          <a:fillRef idx="1">
+            <a:schemeClr val="accent1"/>
+          </a:fillRef>
+          <a:effectRef idx="0">
+            <a:schemeClr val="accent1"/>
+          </a:effectRef>
+          <a:fontRef idx="minor">
+            <a:schemeClr val="lt1"/>
+          </a:fontRef>
+        </p:style>
+        <p:txBody>
+          <a:bodyPr rtlCol="0" anchor="ctr"/>
+          <a:lstStyle/>
+          <a:p>
+            <a:pPr algn="ctr"/>
+            <a:r>
+              <a:rPr lang="en-US" dirty="0">
+                <a:solidFill>
+                  <a:schemeClr val="tx1"/>
+                </a:solidFill>
+              </a:rPr>
+              <a:t>Consumer</a:t>
+            </a:r>
+          </a:p>
+        </p:txBody>
+      </p:sp>
+      <p:sp>
+        <p:nvSpPr>
+          <p:cNvPr id="26" name="Rectangle: Rounded Corners 25">
+            <a:extLst>
+              <a:ext uri="{FF2B5EF4-FFF2-40B4-BE49-F238E27FC236}">
+                <a16:creationId xmlns:a16="http://schemas.microsoft.com/office/drawing/2014/main" id="{AAB673D9-019C-6442-175C-4213D4074F42}"/>
+              </a:ext>
+            </a:extLst>
+          </p:cNvPr>
+          <p:cNvSpPr/>
+          <p:nvPr/>
+        </p:nvSpPr>
+        <p:spPr>
+          <a:xfrm>
+            <a:off x="4905377" y="2770434"/>
+            <a:ext cx="1238248" cy="417742"/>
+          </a:xfrm>
+          <a:prstGeom prst="roundRect">
+            <a:avLst/>
+          </a:prstGeom>
+          <a:solidFill>
+            <a:schemeClr val="bg1"/>
+          </a:solidFill>
+          <a:ln w="38100"/>
+        </p:spPr>
+        <p:style>
+          <a:lnRef idx="2">
+            <a:schemeClr val="accent1">
+              <a:shade val="50000"/>
+            </a:schemeClr>
+          </a:lnRef>
+          <a:fillRef idx="1">
+            <a:schemeClr val="accent1"/>
+          </a:fillRef>
+          <a:effectRef idx="0">
+            <a:schemeClr val="accent1"/>
+          </a:effectRef>
+          <a:fontRef idx="minor">
+            <a:schemeClr val="lt1"/>
+          </a:fontRef>
+        </p:style>
+        <p:txBody>
+          <a:bodyPr rtlCol="0" anchor="ctr"/>
+          <a:lstStyle/>
+          <a:p>
+            <a:pPr algn="ctr"/>
+            <a:r>
+              <a:rPr lang="en-US" dirty="0">
+                <a:solidFill>
+                  <a:schemeClr val="tx1"/>
+                </a:solidFill>
+              </a:rPr>
+              <a:t>Consumer</a:t>
+            </a:r>
+          </a:p>
+        </p:txBody>
+      </p:sp>
+      <p:sp>
+        <p:nvSpPr>
+          <p:cNvPr id="28" name="TextBox 27">
+            <a:extLst>
+              <a:ext uri="{FF2B5EF4-FFF2-40B4-BE49-F238E27FC236}">
+                <a16:creationId xmlns:a16="http://schemas.microsoft.com/office/drawing/2014/main" id="{212AEA49-3E25-53AC-29F3-F6337F774253}"/>
+              </a:ext>
+            </a:extLst>
+          </p:cNvPr>
+          <p:cNvSpPr txBox="1"/>
+          <p:nvPr/>
+        </p:nvSpPr>
+        <p:spPr>
+          <a:xfrm>
+            <a:off x="5133975" y="1838325"/>
+            <a:ext cx="962025" cy="369332"/>
+          </a:xfrm>
+          <a:prstGeom prst="rect">
+            <a:avLst/>
+          </a:prstGeom>
+          <a:noFill/>
+        </p:spPr>
+        <p:txBody>
+          <a:bodyPr wrap="square" rtlCol="0">
+            <a:spAutoFit/>
+          </a:bodyPr>
+          <a:lstStyle/>
+          <a:p>
+            <a:r>
+              <a:rPr lang="en-US" dirty="0"/>
+              <a:t>Group</a:t>
+            </a:r>
+          </a:p>
+        </p:txBody>
+      </p:sp>
+      <p:sp>
+        <p:nvSpPr>
+          <p:cNvPr id="29" name="TextBox 28">
+            <a:extLst>
+              <a:ext uri="{FF2B5EF4-FFF2-40B4-BE49-F238E27FC236}">
+                <a16:creationId xmlns:a16="http://schemas.microsoft.com/office/drawing/2014/main" id="{00033EAA-28DC-C82A-840F-A5EC173DCD5E}"/>
+              </a:ext>
+            </a:extLst>
+          </p:cNvPr>
+          <p:cNvSpPr txBox="1"/>
+          <p:nvPr/>
+        </p:nvSpPr>
+        <p:spPr>
+          <a:xfrm>
+            <a:off x="1204608" y="762000"/>
+            <a:ext cx="5100942" cy="369332"/>
+          </a:xfrm>
+          <a:prstGeom prst="rect">
+            <a:avLst/>
+          </a:prstGeom>
+          <a:noFill/>
+        </p:spPr>
+        <p:txBody>
+          <a:bodyPr wrap="square" rtlCol="0">
+            <a:spAutoFit/>
+          </a:bodyPr>
+          <a:lstStyle/>
+          <a:p>
+            <a:r>
+              <a:rPr lang="en-US" dirty="0"/>
+              <a:t>Consumers take turns consuming the messages</a:t>
+            </a:r>
+          </a:p>
+        </p:txBody>
+      </p:sp>
     </p:spTree>
     <p:extLst>
       <p:ext uri="{BB962C8B-B14F-4D97-AF65-F5344CB8AC3E}">

--- a/Architecture/Architecture.pptx
+++ b/Architecture/Architecture.pptx
@@ -245,7 +245,7 @@
           <a:p>
             <a:fld id="{568B044D-6778-4F98-907D-34CE59BFE85E}" type="datetimeFigureOut">
               <a:rPr lang="en-US" smtClean="0"/>
-              <a:t>8/30/2023</a:t>
+              <a:t>9/1/2023</a:t>
             </a:fld>
             <a:endParaRPr lang="en-US"/>
           </a:p>
@@ -415,7 +415,7 @@
           <a:p>
             <a:fld id="{568B044D-6778-4F98-907D-34CE59BFE85E}" type="datetimeFigureOut">
               <a:rPr lang="en-US" smtClean="0"/>
-              <a:t>8/30/2023</a:t>
+              <a:t>9/1/2023</a:t>
             </a:fld>
             <a:endParaRPr lang="en-US"/>
           </a:p>
@@ -595,7 +595,7 @@
           <a:p>
             <a:fld id="{568B044D-6778-4F98-907D-34CE59BFE85E}" type="datetimeFigureOut">
               <a:rPr lang="en-US" smtClean="0"/>
-              <a:t>8/30/2023</a:t>
+              <a:t>9/1/2023</a:t>
             </a:fld>
             <a:endParaRPr lang="en-US"/>
           </a:p>
@@ -765,7 +765,7 @@
           <a:p>
             <a:fld id="{568B044D-6778-4F98-907D-34CE59BFE85E}" type="datetimeFigureOut">
               <a:rPr lang="en-US" smtClean="0"/>
-              <a:t>8/30/2023</a:t>
+              <a:t>9/1/2023</a:t>
             </a:fld>
             <a:endParaRPr lang="en-US"/>
           </a:p>
@@ -1009,7 +1009,7 @@
           <a:p>
             <a:fld id="{568B044D-6778-4F98-907D-34CE59BFE85E}" type="datetimeFigureOut">
               <a:rPr lang="en-US" smtClean="0"/>
-              <a:t>8/30/2023</a:t>
+              <a:t>9/1/2023</a:t>
             </a:fld>
             <a:endParaRPr lang="en-US"/>
           </a:p>
@@ -1241,7 +1241,7 @@
           <a:p>
             <a:fld id="{568B044D-6778-4F98-907D-34CE59BFE85E}" type="datetimeFigureOut">
               <a:rPr lang="en-US" smtClean="0"/>
-              <a:t>8/30/2023</a:t>
+              <a:t>9/1/2023</a:t>
             </a:fld>
             <a:endParaRPr lang="en-US"/>
           </a:p>
@@ -1608,7 +1608,7 @@
           <a:p>
             <a:fld id="{568B044D-6778-4F98-907D-34CE59BFE85E}" type="datetimeFigureOut">
               <a:rPr lang="en-US" smtClean="0"/>
-              <a:t>8/30/2023</a:t>
+              <a:t>9/1/2023</a:t>
             </a:fld>
             <a:endParaRPr lang="en-US"/>
           </a:p>
@@ -1726,7 +1726,7 @@
           <a:p>
             <a:fld id="{568B044D-6778-4F98-907D-34CE59BFE85E}" type="datetimeFigureOut">
               <a:rPr lang="en-US" smtClean="0"/>
-              <a:t>8/30/2023</a:t>
+              <a:t>9/1/2023</a:t>
             </a:fld>
             <a:endParaRPr lang="en-US"/>
           </a:p>
@@ -1821,7 +1821,7 @@
           <a:p>
             <a:fld id="{568B044D-6778-4F98-907D-34CE59BFE85E}" type="datetimeFigureOut">
               <a:rPr lang="en-US" smtClean="0"/>
-              <a:t>8/30/2023</a:t>
+              <a:t>9/1/2023</a:t>
             </a:fld>
             <a:endParaRPr lang="en-US"/>
           </a:p>
@@ -2098,7 +2098,7 @@
           <a:p>
             <a:fld id="{568B044D-6778-4F98-907D-34CE59BFE85E}" type="datetimeFigureOut">
               <a:rPr lang="en-US" smtClean="0"/>
-              <a:t>8/30/2023</a:t>
+              <a:t>9/1/2023</a:t>
             </a:fld>
             <a:endParaRPr lang="en-US"/>
           </a:p>
@@ -2355,7 +2355,7 @@
           <a:p>
             <a:fld id="{568B044D-6778-4F98-907D-34CE59BFE85E}" type="datetimeFigureOut">
               <a:rPr lang="en-US" smtClean="0"/>
-              <a:t>8/30/2023</a:t>
+              <a:t>9/1/2023</a:t>
             </a:fld>
             <a:endParaRPr lang="en-US"/>
           </a:p>
@@ -2568,7 +2568,7 @@
           <a:p>
             <a:fld id="{568B044D-6778-4F98-907D-34CE59BFE85E}" type="datetimeFigureOut">
               <a:rPr lang="en-US" smtClean="0"/>
-              <a:t>8/30/2023</a:t>
+              <a:t>9/1/2023</a:t>
             </a:fld>
             <a:endParaRPr lang="en-US"/>
           </a:p>
@@ -5783,8 +5783,8 @@
         </p:nvSpPr>
         <p:spPr>
           <a:xfrm>
-            <a:off x="4699285" y="1837787"/>
-            <a:ext cx="1636155" cy="1458400"/>
+            <a:off x="6047834" y="1617816"/>
+            <a:ext cx="1608026" cy="1494609"/>
           </a:xfrm>
           <a:prstGeom prst="roundRect">
             <a:avLst/>
@@ -5815,7 +5815,7 @@
           <a:lstStyle/>
           <a:p>
             <a:pPr algn="ctr"/>
-            <a:endParaRPr lang="en-US" dirty="0"/>
+            <a:endParaRPr lang="en-US" sz="1600" dirty="0"/>
           </a:p>
         </p:txBody>
       </p:sp>
@@ -5833,8 +5833,8 @@
         </p:nvSpPr>
         <p:spPr>
           <a:xfrm>
-            <a:off x="552450" y="2257425"/>
-            <a:ext cx="1552575" cy="695325"/>
+            <a:off x="1832274" y="2408950"/>
+            <a:ext cx="1359473" cy="563665"/>
           </a:xfrm>
           <a:prstGeom prst="roundRect">
             <a:avLst/>
@@ -5865,26 +5865,15 @@
           <a:lstStyle/>
           <a:p>
             <a:pPr algn="ctr"/>
-            <a:endParaRPr lang="en-US" dirty="0">
-              <a:solidFill>
-                <a:schemeClr val="tx1"/>
-              </a:solidFill>
-            </a:endParaRPr>
-          </a:p>
-          <a:p>
-            <a:pPr algn="ctr"/>
-            <a:r>
-              <a:rPr lang="en-US" dirty="0">
+            <a:r>
+              <a:rPr lang="en-US" sz="1600" dirty="0">
                 <a:solidFill>
                   <a:schemeClr val="tx1"/>
                 </a:solidFill>
               </a:rPr>
-              <a:t>Kafka producer</a:t>
-            </a:r>
-            <a:r>
-              <a:rPr lang="en-US" dirty="0"/>
-              <a:t> producer</a:t>
-            </a:r>
+              <a:t>Email producers</a:t>
+            </a:r>
+            <a:endParaRPr lang="en-US" sz="1600" dirty="0"/>
           </a:p>
         </p:txBody>
       </p:sp>
@@ -5902,8 +5891,8 @@
         </p:nvSpPr>
         <p:spPr>
           <a:xfrm>
-            <a:off x="2352675" y="1295399"/>
-            <a:ext cx="2152650" cy="2114551"/>
+            <a:off x="3594846" y="864159"/>
+            <a:ext cx="2267721" cy="2367839"/>
           </a:xfrm>
           <a:prstGeom prst="roundRect">
             <a:avLst/>
@@ -5934,7 +5923,7 @@
           <a:lstStyle/>
           <a:p>
             <a:pPr algn="ctr"/>
-            <a:endParaRPr lang="en-US" dirty="0"/>
+            <a:endParaRPr lang="en-US" sz="1600" dirty="0"/>
           </a:p>
         </p:txBody>
       </p:sp>
@@ -5952,8 +5941,8 @@
         </p:nvSpPr>
         <p:spPr>
           <a:xfrm>
-            <a:off x="2718078" y="1376494"/>
-            <a:ext cx="1404938" cy="369332"/>
+            <a:off x="4136630" y="901169"/>
+            <a:ext cx="1265278" cy="338554"/>
           </a:xfrm>
           <a:prstGeom prst="rect">
             <a:avLst/>
@@ -5967,7 +5956,7 @@
           <a:lstStyle/>
           <a:p>
             <a:r>
-              <a:rPr lang="en-US" dirty="0"/>
+              <a:rPr lang="en-US" sz="1600" dirty="0"/>
               <a:t>Kafka broker</a:t>
             </a:r>
           </a:p>
@@ -5987,8 +5976,8 @@
         </p:nvSpPr>
         <p:spPr>
           <a:xfrm>
-            <a:off x="2602470" y="1818201"/>
-            <a:ext cx="1636155" cy="1458400"/>
+            <a:off x="3735863" y="1386961"/>
+            <a:ext cx="1948685" cy="1725464"/>
           </a:xfrm>
           <a:prstGeom prst="roundRect">
             <a:avLst/>
@@ -6019,7 +6008,7 @@
           <a:lstStyle/>
           <a:p>
             <a:pPr algn="ctr"/>
-            <a:endParaRPr lang="en-US" dirty="0"/>
+            <a:endParaRPr lang="en-US" sz="1600" dirty="0"/>
           </a:p>
         </p:txBody>
       </p:sp>
@@ -6037,8 +6026,8 @@
         </p:nvSpPr>
         <p:spPr>
           <a:xfrm>
-            <a:off x="2881009" y="2221665"/>
-            <a:ext cx="1115031" cy="417742"/>
+            <a:off x="4157839" y="2261665"/>
+            <a:ext cx="1144920" cy="320495"/>
           </a:xfrm>
           <a:prstGeom prst="roundRect">
             <a:avLst/>
@@ -6070,7 +6059,7 @@
           <a:p>
             <a:pPr algn="ctr"/>
             <a:r>
-              <a:rPr lang="en-US" dirty="0">
+              <a:rPr lang="en-US" sz="1600" dirty="0">
                 <a:solidFill>
                   <a:schemeClr val="tx1"/>
                 </a:solidFill>
@@ -6082,63 +6071,6 @@
       </p:sp>
       <p:sp>
         <p:nvSpPr>
-          <p:cNvPr id="9" name="Rectangle: Rounded Corners 8">
-            <a:extLst>
-              <a:ext uri="{FF2B5EF4-FFF2-40B4-BE49-F238E27FC236}">
-                <a16:creationId xmlns:a16="http://schemas.microsoft.com/office/drawing/2014/main" id="{7365CF71-C8CB-BFFC-FAC3-C7A2E8B4BAF9}"/>
-              </a:ext>
-            </a:extLst>
-          </p:cNvPr>
-          <p:cNvSpPr/>
-          <p:nvPr/>
-        </p:nvSpPr>
-        <p:spPr>
-          <a:xfrm>
-            <a:off x="2881008" y="2738675"/>
-            <a:ext cx="1115031" cy="417742"/>
-          </a:xfrm>
-          <a:prstGeom prst="roundRect">
-            <a:avLst/>
-          </a:prstGeom>
-          <a:solidFill>
-            <a:schemeClr val="bg1"/>
-          </a:solidFill>
-          <a:ln w="38100"/>
-        </p:spPr>
-        <p:style>
-          <a:lnRef idx="2">
-            <a:schemeClr val="accent1">
-              <a:shade val="50000"/>
-            </a:schemeClr>
-          </a:lnRef>
-          <a:fillRef idx="1">
-            <a:schemeClr val="accent1"/>
-          </a:fillRef>
-          <a:effectRef idx="0">
-            <a:schemeClr val="accent1"/>
-          </a:effectRef>
-          <a:fontRef idx="minor">
-            <a:schemeClr val="lt1"/>
-          </a:fontRef>
-        </p:style>
-        <p:txBody>
-          <a:bodyPr rtlCol="0" anchor="ctr"/>
-          <a:lstStyle/>
-          <a:p>
-            <a:pPr algn="ctr"/>
-            <a:r>
-              <a:rPr lang="en-US" dirty="0">
-                <a:solidFill>
-                  <a:schemeClr val="tx1"/>
-                </a:solidFill>
-              </a:rPr>
-              <a:t>Partition</a:t>
-            </a:r>
-          </a:p>
-        </p:txBody>
-      </p:sp>
-      <p:sp>
-        <p:nvSpPr>
           <p:cNvPr id="10" name="TextBox 9">
             <a:extLst>
               <a:ext uri="{FF2B5EF4-FFF2-40B4-BE49-F238E27FC236}">
@@ -6151,8 +6083,8 @@
         </p:nvSpPr>
         <p:spPr>
           <a:xfrm>
-            <a:off x="3107529" y="1818201"/>
-            <a:ext cx="1404938" cy="369332"/>
+            <a:off x="4163253" y="1378585"/>
+            <a:ext cx="1238655" cy="338554"/>
           </a:xfrm>
           <a:prstGeom prst="rect">
             <a:avLst/>
@@ -6166,8 +6098,8 @@
           <a:lstStyle/>
           <a:p>
             <a:r>
-              <a:rPr lang="en-US" dirty="0"/>
-              <a:t>Topic</a:t>
+              <a:rPr lang="en-US" sz="1600" dirty="0"/>
+              <a:t>Topic: email</a:t>
             </a:r>
           </a:p>
         </p:txBody>
@@ -6182,6 +6114,7 @@
             </a:extLst>
           </p:cNvPr>
           <p:cNvCxnSpPr>
+            <a:cxnSpLocks/>
             <a:stCxn id="2" idx="3"/>
             <a:endCxn id="7" idx="1"/>
           </p:cNvCxnSpPr>
@@ -6189,8 +6122,8 @@
         </p:nvCxnSpPr>
         <p:spPr>
           <a:xfrm flipV="1">
-            <a:off x="2105025" y="2430536"/>
-            <a:ext cx="775984" cy="174552"/>
+            <a:off x="3191747" y="2421913"/>
+            <a:ext cx="966092" cy="268870"/>
           </a:xfrm>
           <a:prstGeom prst="straightConnector1">
             <a:avLst/>
@@ -6229,14 +6162,14 @@
           <p:cNvCxnSpPr>
             <a:cxnSpLocks/>
             <a:stCxn id="2" idx="3"/>
-            <a:endCxn id="9" idx="1"/>
+            <a:endCxn id="36" idx="1"/>
           </p:cNvCxnSpPr>
           <p:nvPr/>
         </p:nvCxnSpPr>
         <p:spPr>
           <a:xfrm>
-            <a:off x="2105025" y="2605088"/>
-            <a:ext cx="775983" cy="342458"/>
+            <a:off x="3191747" y="2690783"/>
+            <a:ext cx="966091" cy="174531"/>
           </a:xfrm>
           <a:prstGeom prst="straightConnector1">
             <a:avLst/>
@@ -6274,13 +6207,15 @@
           </p:cNvPr>
           <p:cNvCxnSpPr>
             <a:cxnSpLocks/>
+            <a:stCxn id="7" idx="3"/>
+            <a:endCxn id="25" idx="1"/>
           </p:cNvCxnSpPr>
           <p:nvPr/>
         </p:nvCxnSpPr>
         <p:spPr>
-          <a:xfrm>
-            <a:off x="3996039" y="2443180"/>
-            <a:ext cx="909338" cy="0"/>
+          <a:xfrm flipV="1">
+            <a:off x="5302759" y="2414982"/>
+            <a:ext cx="969093" cy="6931"/>
           </a:xfrm>
           <a:prstGeom prst="straightConnector1">
             <a:avLst/>
@@ -6318,14 +6253,15 @@
           </p:cNvPr>
           <p:cNvCxnSpPr>
             <a:cxnSpLocks/>
-            <a:stCxn id="9" idx="3"/>
+            <a:stCxn id="36" idx="3"/>
+            <a:endCxn id="34" idx="1"/>
           </p:cNvCxnSpPr>
           <p:nvPr/>
         </p:nvCxnSpPr>
         <p:spPr>
-          <a:xfrm>
-            <a:off x="3996039" y="2947546"/>
-            <a:ext cx="909338" cy="0"/>
+          <a:xfrm flipV="1">
+            <a:off x="5302758" y="2864387"/>
+            <a:ext cx="969094" cy="927"/>
           </a:xfrm>
           <a:prstGeom prst="straightConnector1">
             <a:avLst/>
@@ -6366,8 +6302,8 @@
         </p:nvSpPr>
         <p:spPr>
           <a:xfrm>
-            <a:off x="4905377" y="2228850"/>
-            <a:ext cx="1238248" cy="417742"/>
+            <a:off x="6271852" y="2279858"/>
+            <a:ext cx="1141958" cy="270248"/>
           </a:xfrm>
           <a:prstGeom prst="roundRect">
             <a:avLst/>
@@ -6399,7 +6335,7 @@
           <a:p>
             <a:pPr algn="ctr"/>
             <a:r>
-              <a:rPr lang="en-US" dirty="0">
+              <a:rPr lang="en-US" sz="1600" dirty="0">
                 <a:solidFill>
                   <a:schemeClr val="tx1"/>
                 </a:solidFill>
@@ -6411,10 +6347,87 @@
       </p:sp>
       <p:sp>
         <p:nvSpPr>
-          <p:cNvPr id="26" name="Rectangle: Rounded Corners 25">
-            <a:extLst>
-              <a:ext uri="{FF2B5EF4-FFF2-40B4-BE49-F238E27FC236}">
-                <a16:creationId xmlns:a16="http://schemas.microsoft.com/office/drawing/2014/main" id="{AAB673D9-019C-6442-175C-4213D4074F42}"/>
+          <p:cNvPr id="28" name="TextBox 27">
+            <a:extLst>
+              <a:ext uri="{FF2B5EF4-FFF2-40B4-BE49-F238E27FC236}">
+                <a16:creationId xmlns:a16="http://schemas.microsoft.com/office/drawing/2014/main" id="{212AEA49-3E25-53AC-29F3-F6337F774253}"/>
+              </a:ext>
+            </a:extLst>
+          </p:cNvPr>
+          <p:cNvSpPr txBox="1"/>
+          <p:nvPr/>
+        </p:nvSpPr>
+        <p:spPr>
+          <a:xfrm>
+            <a:off x="6253924" y="1614399"/>
+            <a:ext cx="1401935" cy="584775"/>
+          </a:xfrm>
+          <a:prstGeom prst="rect">
+            <a:avLst/>
+          </a:prstGeom>
+          <a:noFill/>
+        </p:spPr>
+        <p:txBody>
+          <a:bodyPr wrap="square" rtlCol="0">
+            <a:spAutoFit/>
+          </a:bodyPr>
+          <a:lstStyle/>
+          <a:p>
+            <a:r>
+              <a:rPr lang="en-US" sz="1600" dirty="0"/>
+              <a:t>Group: </a:t>
+            </a:r>
+          </a:p>
+          <a:p>
+            <a:r>
+              <a:rPr lang="en-US" sz="1600" dirty="0" err="1"/>
+              <a:t>email_senders</a:t>
+            </a:r>
+            <a:endParaRPr lang="en-US" sz="1600" dirty="0"/>
+          </a:p>
+        </p:txBody>
+      </p:sp>
+      <p:sp>
+        <p:nvSpPr>
+          <p:cNvPr id="29" name="TextBox 28">
+            <a:extLst>
+              <a:ext uri="{FF2B5EF4-FFF2-40B4-BE49-F238E27FC236}">
+                <a16:creationId xmlns:a16="http://schemas.microsoft.com/office/drawing/2014/main" id="{00033EAA-28DC-C82A-840F-A5EC173DCD5E}"/>
+              </a:ext>
+            </a:extLst>
+          </p:cNvPr>
+          <p:cNvSpPr txBox="1"/>
+          <p:nvPr/>
+        </p:nvSpPr>
+        <p:spPr>
+          <a:xfrm>
+            <a:off x="2053244" y="438329"/>
+            <a:ext cx="5730235" cy="338554"/>
+          </a:xfrm>
+          <a:prstGeom prst="rect">
+            <a:avLst/>
+          </a:prstGeom>
+          <a:noFill/>
+        </p:spPr>
+        <p:txBody>
+          <a:bodyPr wrap="square" rtlCol="0">
+            <a:spAutoFit/>
+          </a:bodyPr>
+          <a:lstStyle/>
+          <a:p>
+            <a:r>
+              <a:rPr lang="en-US" sz="1600" dirty="0"/>
+              <a:t>Consumers take turns consuming the messages for load balancing</a:t>
+            </a:r>
+          </a:p>
+        </p:txBody>
+      </p:sp>
+      <p:sp>
+        <p:nvSpPr>
+          <p:cNvPr id="5" name="Rectangle: Rounded Corners 4">
+            <a:extLst>
+              <a:ext uri="{FF2B5EF4-FFF2-40B4-BE49-F238E27FC236}">
+                <a16:creationId xmlns:a16="http://schemas.microsoft.com/office/drawing/2014/main" id="{B33CFA97-A51E-118A-7E97-6EDC5116F957}"/>
               </a:ext>
             </a:extLst>
           </p:cNvPr>
@@ -6423,8 +6436,8 @@
         </p:nvSpPr>
         <p:spPr>
           <a:xfrm>
-            <a:off x="4905377" y="2770434"/>
-            <a:ext cx="1238248" cy="417742"/>
+            <a:off x="5862568" y="5174496"/>
+            <a:ext cx="1636155" cy="1458400"/>
           </a:xfrm>
           <a:prstGeom prst="roundRect">
             <a:avLst/>
@@ -6455,6 +6468,589 @@
           <a:lstStyle/>
           <a:p>
             <a:pPr algn="ctr"/>
+            <a:endParaRPr lang="en-US" dirty="0"/>
+          </a:p>
+        </p:txBody>
+      </p:sp>
+      <p:sp>
+        <p:nvSpPr>
+          <p:cNvPr id="8" name="Rectangle: Rounded Corners 7">
+            <a:extLst>
+              <a:ext uri="{FF2B5EF4-FFF2-40B4-BE49-F238E27FC236}">
+                <a16:creationId xmlns:a16="http://schemas.microsoft.com/office/drawing/2014/main" id="{A4474CE2-3F5E-D1BB-5A26-1ECFC34D4B77}"/>
+              </a:ext>
+            </a:extLst>
+          </p:cNvPr>
+          <p:cNvSpPr/>
+          <p:nvPr/>
+        </p:nvSpPr>
+        <p:spPr>
+          <a:xfrm>
+            <a:off x="1715733" y="5594134"/>
+            <a:ext cx="1552575" cy="695325"/>
+          </a:xfrm>
+          <a:prstGeom prst="roundRect">
+            <a:avLst/>
+          </a:prstGeom>
+          <a:solidFill>
+            <a:schemeClr val="bg1"/>
+          </a:solidFill>
+          <a:ln w="38100"/>
+        </p:spPr>
+        <p:style>
+          <a:lnRef idx="2">
+            <a:schemeClr val="accent1">
+              <a:shade val="50000"/>
+            </a:schemeClr>
+          </a:lnRef>
+          <a:fillRef idx="1">
+            <a:schemeClr val="accent1"/>
+          </a:fillRef>
+          <a:effectRef idx="0">
+            <a:schemeClr val="accent1"/>
+          </a:effectRef>
+          <a:fontRef idx="minor">
+            <a:schemeClr val="lt1"/>
+          </a:fontRef>
+        </p:style>
+        <p:txBody>
+          <a:bodyPr rtlCol="0" anchor="ctr"/>
+          <a:lstStyle/>
+          <a:p>
+            <a:pPr algn="ctr"/>
+            <a:endParaRPr lang="en-US" dirty="0">
+              <a:solidFill>
+                <a:schemeClr val="tx1"/>
+              </a:solidFill>
+            </a:endParaRPr>
+          </a:p>
+          <a:p>
+            <a:pPr algn="ctr"/>
+            <a:r>
+              <a:rPr lang="en-US" dirty="0">
+                <a:solidFill>
+                  <a:schemeClr val="tx1"/>
+                </a:solidFill>
+              </a:rPr>
+              <a:t>Kafka producer</a:t>
+            </a:r>
+            <a:r>
+              <a:rPr lang="en-US" dirty="0"/>
+              <a:t> producer</a:t>
+            </a:r>
+          </a:p>
+        </p:txBody>
+      </p:sp>
+      <p:sp>
+        <p:nvSpPr>
+          <p:cNvPr id="11" name="Rectangle: Rounded Corners 10">
+            <a:extLst>
+              <a:ext uri="{FF2B5EF4-FFF2-40B4-BE49-F238E27FC236}">
+                <a16:creationId xmlns:a16="http://schemas.microsoft.com/office/drawing/2014/main" id="{9A261575-A57E-B92A-7B6C-5565E790F138}"/>
+              </a:ext>
+            </a:extLst>
+          </p:cNvPr>
+          <p:cNvSpPr/>
+          <p:nvPr/>
+        </p:nvSpPr>
+        <p:spPr>
+          <a:xfrm>
+            <a:off x="3515958" y="4632108"/>
+            <a:ext cx="2152650" cy="2114551"/>
+          </a:xfrm>
+          <a:prstGeom prst="roundRect">
+            <a:avLst/>
+          </a:prstGeom>
+          <a:solidFill>
+            <a:schemeClr val="bg1"/>
+          </a:solidFill>
+          <a:ln w="38100"/>
+        </p:spPr>
+        <p:style>
+          <a:lnRef idx="2">
+            <a:schemeClr val="accent1">
+              <a:shade val="50000"/>
+            </a:schemeClr>
+          </a:lnRef>
+          <a:fillRef idx="1">
+            <a:schemeClr val="accent1"/>
+          </a:fillRef>
+          <a:effectRef idx="0">
+            <a:schemeClr val="accent1"/>
+          </a:effectRef>
+          <a:fontRef idx="minor">
+            <a:schemeClr val="lt1"/>
+          </a:fontRef>
+        </p:style>
+        <p:txBody>
+          <a:bodyPr rtlCol="0" anchor="ctr"/>
+          <a:lstStyle/>
+          <a:p>
+            <a:pPr algn="ctr"/>
+            <a:endParaRPr lang="en-US" dirty="0"/>
+          </a:p>
+        </p:txBody>
+      </p:sp>
+      <p:sp>
+        <p:nvSpPr>
+          <p:cNvPr id="12" name="TextBox 11">
+            <a:extLst>
+              <a:ext uri="{FF2B5EF4-FFF2-40B4-BE49-F238E27FC236}">
+                <a16:creationId xmlns:a16="http://schemas.microsoft.com/office/drawing/2014/main" id="{BFAFB94D-0B77-FFBC-5ABC-F3D2E56CA32C}"/>
+              </a:ext>
+            </a:extLst>
+          </p:cNvPr>
+          <p:cNvSpPr txBox="1"/>
+          <p:nvPr/>
+        </p:nvSpPr>
+        <p:spPr>
+          <a:xfrm>
+            <a:off x="3881361" y="4713203"/>
+            <a:ext cx="1404938" cy="369332"/>
+          </a:xfrm>
+          <a:prstGeom prst="rect">
+            <a:avLst/>
+          </a:prstGeom>
+          <a:noFill/>
+        </p:spPr>
+        <p:txBody>
+          <a:bodyPr wrap="square" rtlCol="0">
+            <a:spAutoFit/>
+          </a:bodyPr>
+          <a:lstStyle/>
+          <a:p>
+            <a:r>
+              <a:rPr lang="en-US" dirty="0"/>
+              <a:t>Kafka broker</a:t>
+            </a:r>
+          </a:p>
+        </p:txBody>
+      </p:sp>
+      <p:sp>
+        <p:nvSpPr>
+          <p:cNvPr id="13" name="Rectangle: Rounded Corners 12">
+            <a:extLst>
+              <a:ext uri="{FF2B5EF4-FFF2-40B4-BE49-F238E27FC236}">
+                <a16:creationId xmlns:a16="http://schemas.microsoft.com/office/drawing/2014/main" id="{8FFBEC1E-CF11-CF38-DC5C-F11FF5184A2B}"/>
+              </a:ext>
+            </a:extLst>
+          </p:cNvPr>
+          <p:cNvSpPr/>
+          <p:nvPr/>
+        </p:nvSpPr>
+        <p:spPr>
+          <a:xfrm>
+            <a:off x="3765753" y="5154910"/>
+            <a:ext cx="1636155" cy="1458400"/>
+          </a:xfrm>
+          <a:prstGeom prst="roundRect">
+            <a:avLst/>
+          </a:prstGeom>
+          <a:solidFill>
+            <a:schemeClr val="bg1"/>
+          </a:solidFill>
+          <a:ln w="38100"/>
+        </p:spPr>
+        <p:style>
+          <a:lnRef idx="2">
+            <a:schemeClr val="accent1">
+              <a:shade val="50000"/>
+            </a:schemeClr>
+          </a:lnRef>
+          <a:fillRef idx="1">
+            <a:schemeClr val="accent1"/>
+          </a:fillRef>
+          <a:effectRef idx="0">
+            <a:schemeClr val="accent1"/>
+          </a:effectRef>
+          <a:fontRef idx="minor">
+            <a:schemeClr val="lt1"/>
+          </a:fontRef>
+        </p:style>
+        <p:txBody>
+          <a:bodyPr rtlCol="0" anchor="ctr"/>
+          <a:lstStyle/>
+          <a:p>
+            <a:pPr algn="ctr"/>
+            <a:endParaRPr lang="en-US" dirty="0"/>
+          </a:p>
+        </p:txBody>
+      </p:sp>
+      <p:sp>
+        <p:nvSpPr>
+          <p:cNvPr id="16" name="Rectangle: Rounded Corners 15">
+            <a:extLst>
+              <a:ext uri="{FF2B5EF4-FFF2-40B4-BE49-F238E27FC236}">
+                <a16:creationId xmlns:a16="http://schemas.microsoft.com/office/drawing/2014/main" id="{93CB6581-6B22-339D-BF48-66889792E0C9}"/>
+              </a:ext>
+            </a:extLst>
+          </p:cNvPr>
+          <p:cNvSpPr/>
+          <p:nvPr/>
+        </p:nvSpPr>
+        <p:spPr>
+          <a:xfrm>
+            <a:off x="4044292" y="5558374"/>
+            <a:ext cx="1115031" cy="417742"/>
+          </a:xfrm>
+          <a:prstGeom prst="roundRect">
+            <a:avLst/>
+          </a:prstGeom>
+          <a:solidFill>
+            <a:schemeClr val="bg1"/>
+          </a:solidFill>
+          <a:ln w="38100"/>
+        </p:spPr>
+        <p:style>
+          <a:lnRef idx="2">
+            <a:schemeClr val="accent1">
+              <a:shade val="50000"/>
+            </a:schemeClr>
+          </a:lnRef>
+          <a:fillRef idx="1">
+            <a:schemeClr val="accent1"/>
+          </a:fillRef>
+          <a:effectRef idx="0">
+            <a:schemeClr val="accent1"/>
+          </a:effectRef>
+          <a:fontRef idx="minor">
+            <a:schemeClr val="lt1"/>
+          </a:fontRef>
+        </p:style>
+        <p:txBody>
+          <a:bodyPr rtlCol="0" anchor="ctr"/>
+          <a:lstStyle/>
+          <a:p>
+            <a:pPr algn="ctr"/>
+            <a:r>
+              <a:rPr lang="en-US" dirty="0">
+                <a:solidFill>
+                  <a:schemeClr val="tx1"/>
+                </a:solidFill>
+              </a:rPr>
+              <a:t>Partition</a:t>
+            </a:r>
+          </a:p>
+        </p:txBody>
+      </p:sp>
+      <p:sp>
+        <p:nvSpPr>
+          <p:cNvPr id="17" name="Rectangle: Rounded Corners 16">
+            <a:extLst>
+              <a:ext uri="{FF2B5EF4-FFF2-40B4-BE49-F238E27FC236}">
+                <a16:creationId xmlns:a16="http://schemas.microsoft.com/office/drawing/2014/main" id="{F0A651A4-D2AF-1897-2A8D-A3FC5AFC569E}"/>
+              </a:ext>
+            </a:extLst>
+          </p:cNvPr>
+          <p:cNvSpPr/>
+          <p:nvPr/>
+        </p:nvSpPr>
+        <p:spPr>
+          <a:xfrm>
+            <a:off x="4044291" y="6075384"/>
+            <a:ext cx="1115031" cy="417742"/>
+          </a:xfrm>
+          <a:prstGeom prst="roundRect">
+            <a:avLst/>
+          </a:prstGeom>
+          <a:solidFill>
+            <a:schemeClr val="bg1"/>
+          </a:solidFill>
+          <a:ln w="38100"/>
+        </p:spPr>
+        <p:style>
+          <a:lnRef idx="2">
+            <a:schemeClr val="accent1">
+              <a:shade val="50000"/>
+            </a:schemeClr>
+          </a:lnRef>
+          <a:fillRef idx="1">
+            <a:schemeClr val="accent1"/>
+          </a:fillRef>
+          <a:effectRef idx="0">
+            <a:schemeClr val="accent1"/>
+          </a:effectRef>
+          <a:fontRef idx="minor">
+            <a:schemeClr val="lt1"/>
+          </a:fontRef>
+        </p:style>
+        <p:txBody>
+          <a:bodyPr rtlCol="0" anchor="ctr"/>
+          <a:lstStyle/>
+          <a:p>
+            <a:pPr algn="ctr"/>
+            <a:r>
+              <a:rPr lang="en-US" dirty="0">
+                <a:solidFill>
+                  <a:schemeClr val="tx1"/>
+                </a:solidFill>
+              </a:rPr>
+              <a:t>Partition</a:t>
+            </a:r>
+          </a:p>
+        </p:txBody>
+      </p:sp>
+      <p:sp>
+        <p:nvSpPr>
+          <p:cNvPr id="19" name="TextBox 18">
+            <a:extLst>
+              <a:ext uri="{FF2B5EF4-FFF2-40B4-BE49-F238E27FC236}">
+                <a16:creationId xmlns:a16="http://schemas.microsoft.com/office/drawing/2014/main" id="{645688BF-D039-94CA-A0EB-0701F4969460}"/>
+              </a:ext>
+            </a:extLst>
+          </p:cNvPr>
+          <p:cNvSpPr txBox="1"/>
+          <p:nvPr/>
+        </p:nvSpPr>
+        <p:spPr>
+          <a:xfrm>
+            <a:off x="4270812" y="5154910"/>
+            <a:ext cx="1404938" cy="369332"/>
+          </a:xfrm>
+          <a:prstGeom prst="rect">
+            <a:avLst/>
+          </a:prstGeom>
+          <a:noFill/>
+        </p:spPr>
+        <p:txBody>
+          <a:bodyPr wrap="square" rtlCol="0">
+            <a:spAutoFit/>
+          </a:bodyPr>
+          <a:lstStyle/>
+          <a:p>
+            <a:r>
+              <a:rPr lang="en-US" dirty="0"/>
+              <a:t>Topic</a:t>
+            </a:r>
+          </a:p>
+        </p:txBody>
+      </p:sp>
+      <p:cxnSp>
+        <p:nvCxnSpPr>
+          <p:cNvPr id="21" name="Straight Arrow Connector 20">
+            <a:extLst>
+              <a:ext uri="{FF2B5EF4-FFF2-40B4-BE49-F238E27FC236}">
+                <a16:creationId xmlns:a16="http://schemas.microsoft.com/office/drawing/2014/main" id="{19FDF208-38F6-13C0-D979-878E63E16654}"/>
+              </a:ext>
+            </a:extLst>
+          </p:cNvPr>
+          <p:cNvCxnSpPr>
+            <a:stCxn id="8" idx="3"/>
+            <a:endCxn id="16" idx="1"/>
+          </p:cNvCxnSpPr>
+          <p:nvPr/>
+        </p:nvCxnSpPr>
+        <p:spPr>
+          <a:xfrm flipV="1">
+            <a:off x="3268308" y="5767245"/>
+            <a:ext cx="775984" cy="174552"/>
+          </a:xfrm>
+          <a:prstGeom prst="straightConnector1">
+            <a:avLst/>
+          </a:prstGeom>
+          <a:ln w="38100">
+            <a:solidFill>
+              <a:srgbClr val="C00000"/>
+            </a:solidFill>
+            <a:tailEnd type="triangle"/>
+          </a:ln>
+        </p:spPr>
+        <p:style>
+          <a:lnRef idx="1">
+            <a:schemeClr val="accent1"/>
+          </a:lnRef>
+          <a:fillRef idx="0">
+            <a:schemeClr val="accent1"/>
+          </a:fillRef>
+          <a:effectRef idx="0">
+            <a:schemeClr val="accent1"/>
+          </a:effectRef>
+          <a:fontRef idx="minor">
+            <a:schemeClr val="tx1"/>
+          </a:fontRef>
+        </p:style>
+      </p:cxnSp>
+      <p:cxnSp>
+        <p:nvCxnSpPr>
+          <p:cNvPr id="22" name="Straight Arrow Connector 21">
+            <a:extLst>
+              <a:ext uri="{FF2B5EF4-FFF2-40B4-BE49-F238E27FC236}">
+                <a16:creationId xmlns:a16="http://schemas.microsoft.com/office/drawing/2014/main" id="{5A293EBB-4009-FBC1-50DA-50D572D1647C}"/>
+              </a:ext>
+            </a:extLst>
+          </p:cNvPr>
+          <p:cNvCxnSpPr>
+            <a:cxnSpLocks/>
+            <a:stCxn id="8" idx="3"/>
+            <a:endCxn id="17" idx="1"/>
+          </p:cNvCxnSpPr>
+          <p:nvPr/>
+        </p:nvCxnSpPr>
+        <p:spPr>
+          <a:xfrm>
+            <a:off x="3268308" y="5941797"/>
+            <a:ext cx="775983" cy="342458"/>
+          </a:xfrm>
+          <a:prstGeom prst="straightConnector1">
+            <a:avLst/>
+          </a:prstGeom>
+          <a:ln w="38100">
+            <a:solidFill>
+              <a:srgbClr val="C00000"/>
+            </a:solidFill>
+            <a:tailEnd type="triangle"/>
+          </a:ln>
+        </p:spPr>
+        <p:style>
+          <a:lnRef idx="1">
+            <a:schemeClr val="accent1"/>
+          </a:lnRef>
+          <a:fillRef idx="0">
+            <a:schemeClr val="accent1"/>
+          </a:fillRef>
+          <a:effectRef idx="0">
+            <a:schemeClr val="accent1"/>
+          </a:effectRef>
+          <a:fontRef idx="minor">
+            <a:schemeClr val="tx1"/>
+          </a:fontRef>
+        </p:style>
+      </p:cxnSp>
+      <p:cxnSp>
+        <p:nvCxnSpPr>
+          <p:cNvPr id="23" name="Straight Arrow Connector 22">
+            <a:extLst>
+              <a:ext uri="{FF2B5EF4-FFF2-40B4-BE49-F238E27FC236}">
+                <a16:creationId xmlns:a16="http://schemas.microsoft.com/office/drawing/2014/main" id="{90329860-58AF-2DF5-D75C-A52B122498F6}"/>
+              </a:ext>
+            </a:extLst>
+          </p:cNvPr>
+          <p:cNvCxnSpPr>
+            <a:cxnSpLocks/>
+          </p:cNvCxnSpPr>
+          <p:nvPr/>
+        </p:nvCxnSpPr>
+        <p:spPr>
+          <a:xfrm>
+            <a:off x="5159322" y="5779889"/>
+            <a:ext cx="909338" cy="0"/>
+          </a:xfrm>
+          <a:prstGeom prst="straightConnector1">
+            <a:avLst/>
+          </a:prstGeom>
+          <a:ln w="38100">
+            <a:solidFill>
+              <a:srgbClr val="C00000"/>
+            </a:solidFill>
+            <a:tailEnd type="triangle"/>
+          </a:ln>
+        </p:spPr>
+        <p:style>
+          <a:lnRef idx="1">
+            <a:schemeClr val="accent1"/>
+          </a:lnRef>
+          <a:fillRef idx="0">
+            <a:schemeClr val="accent1"/>
+          </a:fillRef>
+          <a:effectRef idx="0">
+            <a:schemeClr val="accent1"/>
+          </a:effectRef>
+          <a:fontRef idx="minor">
+            <a:schemeClr val="tx1"/>
+          </a:fontRef>
+        </p:style>
+      </p:cxnSp>
+      <p:cxnSp>
+        <p:nvCxnSpPr>
+          <p:cNvPr id="24" name="Straight Arrow Connector 23">
+            <a:extLst>
+              <a:ext uri="{FF2B5EF4-FFF2-40B4-BE49-F238E27FC236}">
+                <a16:creationId xmlns:a16="http://schemas.microsoft.com/office/drawing/2014/main" id="{3175F5B4-BABC-AB3E-446F-F6A875409AF5}"/>
+              </a:ext>
+            </a:extLst>
+          </p:cNvPr>
+          <p:cNvCxnSpPr>
+            <a:cxnSpLocks/>
+            <a:stCxn id="17" idx="3"/>
+          </p:cNvCxnSpPr>
+          <p:nvPr/>
+        </p:nvCxnSpPr>
+        <p:spPr>
+          <a:xfrm>
+            <a:off x="5159322" y="6284255"/>
+            <a:ext cx="909338" cy="0"/>
+          </a:xfrm>
+          <a:prstGeom prst="straightConnector1">
+            <a:avLst/>
+          </a:prstGeom>
+          <a:ln w="38100">
+            <a:solidFill>
+              <a:srgbClr val="C00000"/>
+            </a:solidFill>
+            <a:tailEnd type="triangle"/>
+          </a:ln>
+        </p:spPr>
+        <p:style>
+          <a:lnRef idx="1">
+            <a:schemeClr val="accent1"/>
+          </a:lnRef>
+          <a:fillRef idx="0">
+            <a:schemeClr val="accent1"/>
+          </a:fillRef>
+          <a:effectRef idx="0">
+            <a:schemeClr val="accent1"/>
+          </a:effectRef>
+          <a:fontRef idx="minor">
+            <a:schemeClr val="tx1"/>
+          </a:fontRef>
+        </p:style>
+      </p:cxnSp>
+      <p:sp>
+        <p:nvSpPr>
+          <p:cNvPr id="30" name="Rectangle: Rounded Corners 29">
+            <a:extLst>
+              <a:ext uri="{FF2B5EF4-FFF2-40B4-BE49-F238E27FC236}">
+                <a16:creationId xmlns:a16="http://schemas.microsoft.com/office/drawing/2014/main" id="{5DE49861-B0FF-DB44-B1C0-7ECE32B90970}"/>
+              </a:ext>
+            </a:extLst>
+          </p:cNvPr>
+          <p:cNvSpPr/>
+          <p:nvPr/>
+        </p:nvSpPr>
+        <p:spPr>
+          <a:xfrm>
+            <a:off x="6068660" y="5565559"/>
+            <a:ext cx="1238248" cy="417742"/>
+          </a:xfrm>
+          <a:prstGeom prst="roundRect">
+            <a:avLst/>
+          </a:prstGeom>
+          <a:solidFill>
+            <a:schemeClr val="bg1"/>
+          </a:solidFill>
+          <a:ln w="38100"/>
+        </p:spPr>
+        <p:style>
+          <a:lnRef idx="2">
+            <a:schemeClr val="accent1">
+              <a:shade val="50000"/>
+            </a:schemeClr>
+          </a:lnRef>
+          <a:fillRef idx="1">
+            <a:schemeClr val="accent1"/>
+          </a:fillRef>
+          <a:effectRef idx="0">
+            <a:schemeClr val="accent1"/>
+          </a:effectRef>
+          <a:fontRef idx="minor">
+            <a:schemeClr val="lt1"/>
+          </a:fontRef>
+        </p:style>
+        <p:txBody>
+          <a:bodyPr rtlCol="0" anchor="ctr"/>
+          <a:lstStyle/>
+          <a:p>
+            <a:pPr algn="ctr"/>
             <a:r>
               <a:rPr lang="en-US" dirty="0">
                 <a:solidFill>
@@ -6468,10 +7064,67 @@
       </p:sp>
       <p:sp>
         <p:nvSpPr>
-          <p:cNvPr id="28" name="TextBox 27">
-            <a:extLst>
-              <a:ext uri="{FF2B5EF4-FFF2-40B4-BE49-F238E27FC236}">
-                <a16:creationId xmlns:a16="http://schemas.microsoft.com/office/drawing/2014/main" id="{212AEA49-3E25-53AC-29F3-F6337F774253}"/>
+          <p:cNvPr id="31" name="Rectangle: Rounded Corners 30">
+            <a:extLst>
+              <a:ext uri="{FF2B5EF4-FFF2-40B4-BE49-F238E27FC236}">
+                <a16:creationId xmlns:a16="http://schemas.microsoft.com/office/drawing/2014/main" id="{6764E01C-959F-696A-34B9-16F3D3E90C18}"/>
+              </a:ext>
+            </a:extLst>
+          </p:cNvPr>
+          <p:cNvSpPr/>
+          <p:nvPr/>
+        </p:nvSpPr>
+        <p:spPr>
+          <a:xfrm>
+            <a:off x="6068660" y="6107143"/>
+            <a:ext cx="1238248" cy="417742"/>
+          </a:xfrm>
+          <a:prstGeom prst="roundRect">
+            <a:avLst/>
+          </a:prstGeom>
+          <a:solidFill>
+            <a:schemeClr val="bg1"/>
+          </a:solidFill>
+          <a:ln w="38100"/>
+        </p:spPr>
+        <p:style>
+          <a:lnRef idx="2">
+            <a:schemeClr val="accent1">
+              <a:shade val="50000"/>
+            </a:schemeClr>
+          </a:lnRef>
+          <a:fillRef idx="1">
+            <a:schemeClr val="accent1"/>
+          </a:fillRef>
+          <a:effectRef idx="0">
+            <a:schemeClr val="accent1"/>
+          </a:effectRef>
+          <a:fontRef idx="minor">
+            <a:schemeClr val="lt1"/>
+          </a:fontRef>
+        </p:style>
+        <p:txBody>
+          <a:bodyPr rtlCol="0" anchor="ctr"/>
+          <a:lstStyle/>
+          <a:p>
+            <a:pPr algn="ctr"/>
+            <a:r>
+              <a:rPr lang="en-US" dirty="0">
+                <a:solidFill>
+                  <a:schemeClr val="tx1"/>
+                </a:solidFill>
+              </a:rPr>
+              <a:t>Consumer</a:t>
+            </a:r>
+          </a:p>
+        </p:txBody>
+      </p:sp>
+      <p:sp>
+        <p:nvSpPr>
+          <p:cNvPr id="32" name="TextBox 31">
+            <a:extLst>
+              <a:ext uri="{FF2B5EF4-FFF2-40B4-BE49-F238E27FC236}">
+                <a16:creationId xmlns:a16="http://schemas.microsoft.com/office/drawing/2014/main" id="{C4919C1F-ED49-6035-1049-BB7D81CA8303}"/>
               </a:ext>
             </a:extLst>
           </p:cNvPr>
@@ -6480,7 +7133,7 @@
         </p:nvSpPr>
         <p:spPr>
           <a:xfrm>
-            <a:off x="5133975" y="1838325"/>
+            <a:off x="6297258" y="5175034"/>
             <a:ext cx="962025" cy="369332"/>
           </a:xfrm>
           <a:prstGeom prst="rect">
@@ -6503,10 +7156,10 @@
       </p:sp>
       <p:sp>
         <p:nvSpPr>
-          <p:cNvPr id="29" name="TextBox 28">
-            <a:extLst>
-              <a:ext uri="{FF2B5EF4-FFF2-40B4-BE49-F238E27FC236}">
-                <a16:creationId xmlns:a16="http://schemas.microsoft.com/office/drawing/2014/main" id="{00033EAA-28DC-C82A-840F-A5EC173DCD5E}"/>
+          <p:cNvPr id="33" name="TextBox 32">
+            <a:extLst>
+              <a:ext uri="{FF2B5EF4-FFF2-40B4-BE49-F238E27FC236}">
+                <a16:creationId xmlns:a16="http://schemas.microsoft.com/office/drawing/2014/main" id="{CA45B9FD-DCB8-1FF7-7E5B-627DFAF278A7}"/>
               </a:ext>
             </a:extLst>
           </p:cNvPr>
@@ -6515,7 +7168,7 @@
         </p:nvSpPr>
         <p:spPr>
           <a:xfrm>
-            <a:off x="1204608" y="762000"/>
+            <a:off x="2367891" y="4098709"/>
             <a:ext cx="5100942" cy="369332"/>
           </a:xfrm>
           <a:prstGeom prst="rect">
@@ -6532,6 +7185,192 @@
             <a:r>
               <a:rPr lang="en-US" dirty="0"/>
               <a:t>Consumers take turns consuming the messages</a:t>
+            </a:r>
+          </a:p>
+        </p:txBody>
+      </p:sp>
+      <p:sp>
+        <p:nvSpPr>
+          <p:cNvPr id="34" name="Rectangle: Rounded Corners 33">
+            <a:extLst>
+              <a:ext uri="{FF2B5EF4-FFF2-40B4-BE49-F238E27FC236}">
+                <a16:creationId xmlns:a16="http://schemas.microsoft.com/office/drawing/2014/main" id="{527DFB04-38FE-D6F4-A389-2B13E1BC5353}"/>
+              </a:ext>
+            </a:extLst>
+          </p:cNvPr>
+          <p:cNvSpPr/>
+          <p:nvPr/>
+        </p:nvSpPr>
+        <p:spPr>
+          <a:xfrm>
+            <a:off x="6271852" y="2729263"/>
+            <a:ext cx="1141958" cy="270248"/>
+          </a:xfrm>
+          <a:prstGeom prst="roundRect">
+            <a:avLst/>
+          </a:prstGeom>
+          <a:solidFill>
+            <a:schemeClr val="bg1"/>
+          </a:solidFill>
+          <a:ln w="38100"/>
+        </p:spPr>
+        <p:style>
+          <a:lnRef idx="2">
+            <a:schemeClr val="accent1">
+              <a:shade val="50000"/>
+            </a:schemeClr>
+          </a:lnRef>
+          <a:fillRef idx="1">
+            <a:schemeClr val="accent1"/>
+          </a:fillRef>
+          <a:effectRef idx="0">
+            <a:schemeClr val="accent1"/>
+          </a:effectRef>
+          <a:fontRef idx="minor">
+            <a:schemeClr val="lt1"/>
+          </a:fontRef>
+        </p:style>
+        <p:txBody>
+          <a:bodyPr rtlCol="0" anchor="ctr"/>
+          <a:lstStyle/>
+          <a:p>
+            <a:pPr algn="ctr"/>
+            <a:r>
+              <a:rPr lang="en-US" sz="1600" dirty="0">
+                <a:solidFill>
+                  <a:schemeClr val="tx1"/>
+                </a:solidFill>
+              </a:rPr>
+              <a:t>Consumer</a:t>
+            </a:r>
+          </a:p>
+        </p:txBody>
+      </p:sp>
+      <p:sp>
+        <p:nvSpPr>
+          <p:cNvPr id="36" name="Rectangle: Rounded Corners 35">
+            <a:extLst>
+              <a:ext uri="{FF2B5EF4-FFF2-40B4-BE49-F238E27FC236}">
+                <a16:creationId xmlns:a16="http://schemas.microsoft.com/office/drawing/2014/main" id="{BC9FDDAB-CEE5-3F9C-D380-1196D6A3DD36}"/>
+              </a:ext>
+            </a:extLst>
+          </p:cNvPr>
+          <p:cNvSpPr/>
+          <p:nvPr/>
+        </p:nvSpPr>
+        <p:spPr>
+          <a:xfrm>
+            <a:off x="4157838" y="2702344"/>
+            <a:ext cx="1144920" cy="325940"/>
+          </a:xfrm>
+          <a:prstGeom prst="roundRect">
+            <a:avLst/>
+          </a:prstGeom>
+          <a:solidFill>
+            <a:schemeClr val="bg1"/>
+          </a:solidFill>
+          <a:ln w="38100"/>
+        </p:spPr>
+        <p:style>
+          <a:lnRef idx="2">
+            <a:schemeClr val="accent1">
+              <a:shade val="50000"/>
+            </a:schemeClr>
+          </a:lnRef>
+          <a:fillRef idx="1">
+            <a:schemeClr val="accent1"/>
+          </a:fillRef>
+          <a:effectRef idx="0">
+            <a:schemeClr val="accent1"/>
+          </a:effectRef>
+          <a:fontRef idx="minor">
+            <a:schemeClr val="lt1"/>
+          </a:fontRef>
+        </p:style>
+        <p:txBody>
+          <a:bodyPr rtlCol="0" anchor="ctr"/>
+          <a:lstStyle/>
+          <a:p>
+            <a:pPr algn="ctr"/>
+            <a:r>
+              <a:rPr lang="en-US" sz="1600" dirty="0">
+                <a:solidFill>
+                  <a:schemeClr val="tx1"/>
+                </a:solidFill>
+              </a:rPr>
+              <a:t>Partition</a:t>
+            </a:r>
+          </a:p>
+        </p:txBody>
+      </p:sp>
+      <p:sp>
+        <p:nvSpPr>
+          <p:cNvPr id="26" name="Rectangle: Rounded Corners 25">
+            <a:extLst>
+              <a:ext uri="{FF2B5EF4-FFF2-40B4-BE49-F238E27FC236}">
+                <a16:creationId xmlns:a16="http://schemas.microsoft.com/office/drawing/2014/main" id="{55D022F8-F6FA-129A-0955-47F3466EAA47}"/>
+              </a:ext>
+            </a:extLst>
+          </p:cNvPr>
+          <p:cNvSpPr/>
+          <p:nvPr/>
+        </p:nvSpPr>
+        <p:spPr>
+          <a:xfrm>
+            <a:off x="3979769" y="1696977"/>
+            <a:ext cx="1529716" cy="481320"/>
+          </a:xfrm>
+          <a:prstGeom prst="roundRect">
+            <a:avLst/>
+          </a:prstGeom>
+          <a:solidFill>
+            <a:schemeClr val="bg1"/>
+          </a:solidFill>
+          <a:ln w="38100">
+            <a:solidFill>
+              <a:schemeClr val="accent4"/>
+            </a:solidFill>
+          </a:ln>
+        </p:spPr>
+        <p:style>
+          <a:lnRef idx="2">
+            <a:schemeClr val="accent1">
+              <a:shade val="50000"/>
+            </a:schemeClr>
+          </a:lnRef>
+          <a:fillRef idx="1">
+            <a:schemeClr val="accent1"/>
+          </a:fillRef>
+          <a:effectRef idx="0">
+            <a:schemeClr val="accent1"/>
+          </a:effectRef>
+          <a:fontRef idx="minor">
+            <a:schemeClr val="lt1"/>
+          </a:fontRef>
+        </p:style>
+        <p:txBody>
+          <a:bodyPr rtlCol="0" anchor="ctr"/>
+          <a:lstStyle/>
+          <a:p>
+            <a:pPr algn="ctr"/>
+            <a:r>
+              <a:rPr lang="en-US" sz="1400" dirty="0">
+                <a:solidFill>
+                  <a:schemeClr val="tx1"/>
+                </a:solidFill>
+              </a:rPr>
+              <a:t>Sticky partitioner</a:t>
+            </a:r>
+          </a:p>
+          <a:p>
+            <a:pPr algn="ctr"/>
+            <a:r>
+              <a:rPr lang="en-US" sz="1400" dirty="0">
+                <a:solidFill>
+                  <a:schemeClr val="tx1"/>
+                </a:solidFill>
+              </a:rPr>
+              <a:t>(Batch size: 400)</a:t>
             </a:r>
           </a:p>
         </p:txBody>

--- a/Architecture/Architecture.pptx
+++ b/Architecture/Architecture.pptx
@@ -245,7 +245,7 @@
           <a:p>
             <a:fld id="{568B044D-6778-4F98-907D-34CE59BFE85E}" type="datetimeFigureOut">
               <a:rPr lang="en-US" smtClean="0"/>
-              <a:t>9/1/2023</a:t>
+              <a:t>9/2/2023</a:t>
             </a:fld>
             <a:endParaRPr lang="en-US"/>
           </a:p>
@@ -415,7 +415,7 @@
           <a:p>
             <a:fld id="{568B044D-6778-4F98-907D-34CE59BFE85E}" type="datetimeFigureOut">
               <a:rPr lang="en-US" smtClean="0"/>
-              <a:t>9/1/2023</a:t>
+              <a:t>9/2/2023</a:t>
             </a:fld>
             <a:endParaRPr lang="en-US"/>
           </a:p>
@@ -595,7 +595,7 @@
           <a:p>
             <a:fld id="{568B044D-6778-4F98-907D-34CE59BFE85E}" type="datetimeFigureOut">
               <a:rPr lang="en-US" smtClean="0"/>
-              <a:t>9/1/2023</a:t>
+              <a:t>9/2/2023</a:t>
             </a:fld>
             <a:endParaRPr lang="en-US"/>
           </a:p>
@@ -765,7 +765,7 @@
           <a:p>
             <a:fld id="{568B044D-6778-4F98-907D-34CE59BFE85E}" type="datetimeFigureOut">
               <a:rPr lang="en-US" smtClean="0"/>
-              <a:t>9/1/2023</a:t>
+              <a:t>9/2/2023</a:t>
             </a:fld>
             <a:endParaRPr lang="en-US"/>
           </a:p>
@@ -1009,7 +1009,7 @@
           <a:p>
             <a:fld id="{568B044D-6778-4F98-907D-34CE59BFE85E}" type="datetimeFigureOut">
               <a:rPr lang="en-US" smtClean="0"/>
-              <a:t>9/1/2023</a:t>
+              <a:t>9/2/2023</a:t>
             </a:fld>
             <a:endParaRPr lang="en-US"/>
           </a:p>
@@ -1241,7 +1241,7 @@
           <a:p>
             <a:fld id="{568B044D-6778-4F98-907D-34CE59BFE85E}" type="datetimeFigureOut">
               <a:rPr lang="en-US" smtClean="0"/>
-              <a:t>9/1/2023</a:t>
+              <a:t>9/2/2023</a:t>
             </a:fld>
             <a:endParaRPr lang="en-US"/>
           </a:p>
@@ -1608,7 +1608,7 @@
           <a:p>
             <a:fld id="{568B044D-6778-4F98-907D-34CE59BFE85E}" type="datetimeFigureOut">
               <a:rPr lang="en-US" smtClean="0"/>
-              <a:t>9/1/2023</a:t>
+              <a:t>9/2/2023</a:t>
             </a:fld>
             <a:endParaRPr lang="en-US"/>
           </a:p>
@@ -1726,7 +1726,7 @@
           <a:p>
             <a:fld id="{568B044D-6778-4F98-907D-34CE59BFE85E}" type="datetimeFigureOut">
               <a:rPr lang="en-US" smtClean="0"/>
-              <a:t>9/1/2023</a:t>
+              <a:t>9/2/2023</a:t>
             </a:fld>
             <a:endParaRPr lang="en-US"/>
           </a:p>
@@ -1821,7 +1821,7 @@
           <a:p>
             <a:fld id="{568B044D-6778-4F98-907D-34CE59BFE85E}" type="datetimeFigureOut">
               <a:rPr lang="en-US" smtClean="0"/>
-              <a:t>9/1/2023</a:t>
+              <a:t>9/2/2023</a:t>
             </a:fld>
             <a:endParaRPr lang="en-US"/>
           </a:p>
@@ -2098,7 +2098,7 @@
           <a:p>
             <a:fld id="{568B044D-6778-4F98-907D-34CE59BFE85E}" type="datetimeFigureOut">
               <a:rPr lang="en-US" smtClean="0"/>
-              <a:t>9/1/2023</a:t>
+              <a:t>9/2/2023</a:t>
             </a:fld>
             <a:endParaRPr lang="en-US"/>
           </a:p>
@@ -2355,7 +2355,7 @@
           <a:p>
             <a:fld id="{568B044D-6778-4F98-907D-34CE59BFE85E}" type="datetimeFigureOut">
               <a:rPr lang="en-US" smtClean="0"/>
-              <a:t>9/1/2023</a:t>
+              <a:t>9/2/2023</a:t>
             </a:fld>
             <a:endParaRPr lang="en-US"/>
           </a:p>
@@ -2568,7 +2568,7 @@
           <a:p>
             <a:fld id="{568B044D-6778-4F98-907D-34CE59BFE85E}" type="datetimeFigureOut">
               <a:rPr lang="en-US" smtClean="0"/>
-              <a:t>9/1/2023</a:t>
+              <a:t>9/2/2023</a:t>
             </a:fld>
             <a:endParaRPr lang="en-US"/>
           </a:p>
@@ -6401,7 +6401,7 @@
         </p:nvSpPr>
         <p:spPr>
           <a:xfrm>
-            <a:off x="2053244" y="438329"/>
+            <a:off x="1879509" y="3260898"/>
             <a:ext cx="5730235" cy="338554"/>
           </a:xfrm>
           <a:prstGeom prst="rect">
@@ -7156,41 +7156,6 @@
       </p:sp>
       <p:sp>
         <p:nvSpPr>
-          <p:cNvPr id="33" name="TextBox 32">
-            <a:extLst>
-              <a:ext uri="{FF2B5EF4-FFF2-40B4-BE49-F238E27FC236}">
-                <a16:creationId xmlns:a16="http://schemas.microsoft.com/office/drawing/2014/main" id="{CA45B9FD-DCB8-1FF7-7E5B-627DFAF278A7}"/>
-              </a:ext>
-            </a:extLst>
-          </p:cNvPr>
-          <p:cNvSpPr txBox="1"/>
-          <p:nvPr/>
-        </p:nvSpPr>
-        <p:spPr>
-          <a:xfrm>
-            <a:off x="2367891" y="4098709"/>
-            <a:ext cx="5100942" cy="369332"/>
-          </a:xfrm>
-          <a:prstGeom prst="rect">
-            <a:avLst/>
-          </a:prstGeom>
-          <a:noFill/>
-        </p:spPr>
-        <p:txBody>
-          <a:bodyPr wrap="square" rtlCol="0">
-            <a:spAutoFit/>
-          </a:bodyPr>
-          <a:lstStyle/>
-          <a:p>
-            <a:r>
-              <a:rPr lang="en-US" dirty="0"/>
-              <a:t>Consumers take turns consuming the messages</a:t>
-            </a:r>
-          </a:p>
-        </p:txBody>
-      </p:sp>
-      <p:sp>
-        <p:nvSpPr>
           <p:cNvPr id="34" name="Rectangle: Rounded Corners 33">
             <a:extLst>
               <a:ext uri="{FF2B5EF4-FFF2-40B4-BE49-F238E27FC236}">
@@ -7375,6 +7340,53 @@
           </a:p>
         </p:txBody>
       </p:sp>
+      <p:pic>
+        <p:nvPicPr>
+          <p:cNvPr id="1026" name="Picture 2" descr="Apache Kafka Survey Reveals Growing Importance of Streaming Data">
+            <a:extLst>
+              <a:ext uri="{FF2B5EF4-FFF2-40B4-BE49-F238E27FC236}">
+                <a16:creationId xmlns:a16="http://schemas.microsoft.com/office/drawing/2014/main" id="{3895BE11-7E02-549C-ED2C-F4028592C6A0}"/>
+              </a:ext>
+            </a:extLst>
+          </p:cNvPr>
+          <p:cNvPicPr>
+            <a:picLocks noChangeAspect="1" noChangeArrowheads="1"/>
+          </p:cNvPicPr>
+          <p:nvPr/>
+        </p:nvPicPr>
+        <p:blipFill>
+          <a:blip r:embed="rId2">
+            <a:extLst>
+              <a:ext uri="{28A0092B-C50C-407E-A947-70E740481C1C}">
+                <a14:useLocalDpi xmlns:a14="http://schemas.microsoft.com/office/drawing/2010/main" val="0"/>
+              </a:ext>
+            </a:extLst>
+          </a:blip>
+          <a:srcRect/>
+          <a:stretch>
+            <a:fillRect/>
+          </a:stretch>
+        </p:blipFill>
+        <p:spPr bwMode="auto">
+          <a:xfrm>
+            <a:off x="4286288" y="343103"/>
+            <a:ext cx="916675" cy="611768"/>
+          </a:xfrm>
+          <a:prstGeom prst="rect">
+            <a:avLst/>
+          </a:prstGeom>
+          <a:noFill/>
+          <a:extLst>
+            <a:ext uri="{909E8E84-426E-40DD-AFC4-6F175D3DCCD1}">
+              <a14:hiddenFill xmlns:a14="http://schemas.microsoft.com/office/drawing/2010/main">
+                <a:solidFill>
+                  <a:srgbClr val="FFFFFF"/>
+                </a:solidFill>
+              </a14:hiddenFill>
+            </a:ext>
+          </a:extLst>
+        </p:spPr>
+      </p:pic>
     </p:spTree>
     <p:extLst>
       <p:ext uri="{BB962C8B-B14F-4D97-AF65-F5344CB8AC3E}">
